--- a/Keynotes/week12_tile_map.pptx
+++ b/Keynotes/week12_tile_map.pptx
@@ -163,7 +163,7 @@
   </p:defaultTextStyle>
   <p:extLst>
     <p:ext uri="{EFAFB233-063F-42B5-8137-9DF3F51BA10A}">
-      <p15:sldGuideLst xmlns:p15="http://schemas.microsoft.com/office/powerpoint/2012/main">
+      <p15:sldGuideLst xmlns:p15="http://schemas.microsoft.com/office/powerpoint/2012/main" xmlns="">
         <p15:guide id="1" orient="horz" pos="2880">
           <p15:clr>
             <a:srgbClr val="A4A3A4"/>
@@ -325,7 +325,7 @@
           <a:p>
             <a:fld id="{1D8BD707-D9CF-40AE-B4C6-C98DA3205C09}" type="datetimeFigureOut">
               <a:rPr lang="en-US"/>
-              <a:t>5/28/2018</a:t>
+              <a:t>6/1/2018</a:t>
             </a:fld>
             <a:endParaRPr lang="en-US"/>
           </a:p>
@@ -502,7 +502,7 @@
           <a:p>
             <a:fld id="{1D8BD707-D9CF-40AE-B4C6-C98DA3205C09}" type="datetimeFigureOut">
               <a:rPr lang="en-US"/>
-              <a:t>5/28/2018</a:t>
+              <a:t>6/1/2018</a:t>
             </a:fld>
             <a:endParaRPr lang="en-US"/>
           </a:p>
@@ -716,7 +716,7 @@
           <a:p>
             <a:fld id="{1D8BD707-D9CF-40AE-B4C6-C98DA3205C09}" type="datetimeFigureOut">
               <a:rPr lang="en-US"/>
-              <a:t>5/28/2018</a:t>
+              <a:t>6/1/2018</a:t>
             </a:fld>
             <a:endParaRPr lang="en-US"/>
           </a:p>
@@ -864,7 +864,7 @@
           <a:p>
             <a:fld id="{1D8BD707-D9CF-40AE-B4C6-C98DA3205C09}" type="datetimeFigureOut">
               <a:rPr lang="en-US"/>
-              <a:t>5/28/2018</a:t>
+              <a:t>6/1/2018</a:t>
             </a:fld>
             <a:endParaRPr lang="en-US"/>
           </a:p>
@@ -983,7 +983,7 @@
           <a:p>
             <a:fld id="{1D8BD707-D9CF-40AE-B4C6-C98DA3205C09}" type="datetimeFigureOut">
               <a:rPr lang="en-US"/>
-              <a:t>5/28/2018</a:t>
+              <a:t>6/1/2018</a:t>
             </a:fld>
             <a:endParaRPr lang="en-US"/>
           </a:p>
@@ -1237,7 +1237,7 @@
           <a:p>
             <a:fld id="{1D8BD707-D9CF-40AE-B4C6-C98DA3205C09}" type="datetimeFigureOut">
               <a:rPr lang="en-US"/>
-              <a:t>5/28/2018</a:t>
+              <a:t>6/1/2018</a:t>
             </a:fld>
             <a:endParaRPr lang="en-US"/>
           </a:p>
@@ -1620,6 +1620,13 @@
   <p:clrMapOvr>
     <a:masterClrMapping/>
   </p:clrMapOvr>
+  <p:timing>
+    <p:tnLst>
+      <p:par>
+        <p:cTn id="1" dur="indefinite" restart="never" nodeType="tmRoot"/>
+      </p:par>
+    </p:tnLst>
+  </p:timing>
 </p:sld>
 </file>
 
@@ -3053,6 +3060,13 @@
   <p:clrMapOvr>
     <a:masterClrMapping/>
   </p:clrMapOvr>
+  <p:timing>
+    <p:tnLst>
+      <p:par>
+        <p:cTn id="1" dur="indefinite" restart="never" nodeType="tmRoot"/>
+      </p:par>
+    </p:tnLst>
+  </p:timing>
 </p:sld>
 </file>
 
@@ -4987,6 +5001,13 @@
   <p:clrMapOvr>
     <a:masterClrMapping/>
   </p:clrMapOvr>
+  <p:timing>
+    <p:tnLst>
+      <p:par>
+        <p:cTn id="1" dur="indefinite" restart="never" nodeType="tmRoot"/>
+      </p:par>
+    </p:tnLst>
+  </p:timing>
 </p:sld>
 </file>
 
@@ -5598,6 +5619,13 @@
   <p:clrMapOvr>
     <a:masterClrMapping/>
   </p:clrMapOvr>
+  <p:timing>
+    <p:tnLst>
+      <p:par>
+        <p:cTn id="1" dur="indefinite" restart="never" nodeType="tmRoot"/>
+      </p:par>
+    </p:tnLst>
+  </p:timing>
 </p:sld>
 </file>
 
@@ -6373,6 +6401,13 @@
   <p:clrMapOvr>
     <a:masterClrMapping/>
   </p:clrMapOvr>
+  <p:timing>
+    <p:tnLst>
+      <p:par>
+        <p:cTn id="1" dur="indefinite" restart="never" nodeType="tmRoot"/>
+      </p:par>
+    </p:tnLst>
+  </p:timing>
 </p:sld>
 </file>
 
@@ -7480,6 +7515,13 @@
   <p:clrMapOvr>
     <a:masterClrMapping/>
   </p:clrMapOvr>
+  <p:timing>
+    <p:tnLst>
+      <p:par>
+        <p:cTn id="1" dur="indefinite" restart="never" nodeType="tmRoot"/>
+      </p:par>
+    </p:tnLst>
+  </p:timing>
 </p:sld>
 </file>
 
@@ -8316,6 +8358,13 @@
   <p:clrMapOvr>
     <a:masterClrMapping/>
   </p:clrMapOvr>
+  <p:timing>
+    <p:tnLst>
+      <p:par>
+        <p:cTn id="1" dur="indefinite" restart="never" nodeType="tmRoot"/>
+      </p:par>
+    </p:tnLst>
+  </p:timing>
 </p:sld>
 </file>
 
@@ -8982,6 +9031,13 @@
   <p:clrMapOvr>
     <a:masterClrMapping/>
   </p:clrMapOvr>
+  <p:timing>
+    <p:tnLst>
+      <p:par>
+        <p:cTn id="1" dur="indefinite" restart="never" nodeType="tmRoot"/>
+      </p:par>
+    </p:tnLst>
+  </p:timing>
 </p:sld>
 </file>
 
@@ -9797,6 +9853,13 @@
   <p:clrMapOvr>
     <a:masterClrMapping/>
   </p:clrMapOvr>
+  <p:timing>
+    <p:tnLst>
+      <p:par>
+        <p:cTn id="1" dur="indefinite" restart="never" nodeType="tmRoot"/>
+      </p:par>
+    </p:tnLst>
+  </p:timing>
 </p:sld>
 </file>
 
@@ -10864,6 +10927,13 @@
   <p:clrMapOvr>
     <a:masterClrMapping/>
   </p:clrMapOvr>
+  <p:timing>
+    <p:tnLst>
+      <p:par>
+        <p:cTn id="1" dur="indefinite" restart="never" nodeType="tmRoot"/>
+      </p:par>
+    </p:tnLst>
+  </p:timing>
 </p:sld>
 </file>
 
@@ -11798,6 +11868,13 @@
   <p:clrMapOvr>
     <a:masterClrMapping/>
   </p:clrMapOvr>
+  <p:timing>
+    <p:tnLst>
+      <p:par>
+        <p:cTn id="1" dur="indefinite" restart="never" nodeType="tmRoot"/>
+      </p:par>
+    </p:tnLst>
+  </p:timing>
 </p:sld>
 </file>
 
@@ -12617,7 +12694,7 @@
               <a:t> </a:t>
             </a:r>
             <a:r>
-              <a:rPr sz="2800" spc="-5" dirty="0">
+              <a:rPr sz="2800" spc="-5" dirty="0" smtClean="0">
                 <a:solidFill>
                   <a:srgbClr val="33B5EF"/>
                 </a:solidFill>
@@ -12627,17 +12704,7 @@
               <a:t>3.x</a:t>
             </a:r>
             <a:r>
-              <a:rPr sz="2800" spc="100" dirty="0">
-                <a:solidFill>
-                  <a:srgbClr val="33B5EF"/>
-                </a:solidFill>
-                <a:latin typeface="Noto Sans CJK JP Regular"/>
-                <a:cs typeface="Noto Sans CJK JP Regular"/>
-              </a:rPr>
-              <a:t> </a:t>
-            </a:r>
-            <a:r>
-              <a:rPr sz="2800" spc="-10" dirty="0">
+              <a:rPr sz="2800" spc="-10" dirty="0" smtClean="0">
                 <a:solidFill>
                   <a:srgbClr val="33B5EF"/>
                 </a:solidFill>
@@ -12646,7 +12713,7 @@
               </a:rPr>
               <a:t>的数据结构</a:t>
             </a:r>
-            <a:endParaRPr sz="2800">
+            <a:endParaRPr sz="2800" dirty="0">
               <a:latin typeface="Noto Sans CJK JP Regular"/>
               <a:cs typeface="Noto Sans CJK JP Regular"/>
             </a:endParaRPr>
@@ -13034,17 +13101,17 @@
               </a:spcBef>
             </a:pPr>
             <a:r>
-              <a:rPr sz="3200" b="0" spc="5" dirty="0">
-                <a:solidFill>
-                  <a:srgbClr val="FFFFFF"/>
-                </a:solidFill>
-                <a:latin typeface="Noto Sans CJK JP Regular"/>
-                <a:cs typeface="Noto Sans CJK JP Regular"/>
-              </a:rPr>
-              <a:t>目 录 </a:t>
-            </a:r>
-            <a:r>
-              <a:rPr sz="3200" b="0" spc="345" dirty="0">
+              <a:rPr sz="3200" b="0" spc="5" dirty="0" err="1" smtClean="0">
+                <a:solidFill>
+                  <a:srgbClr val="FFFFFF"/>
+                </a:solidFill>
+                <a:latin typeface="Noto Sans CJK JP Regular"/>
+                <a:cs typeface="Noto Sans CJK JP Regular"/>
+              </a:rPr>
+              <a:t>目录</a:t>
+            </a:r>
+            <a:r>
+              <a:rPr sz="3200" b="0" spc="345" dirty="0" smtClean="0">
                 <a:solidFill>
                   <a:srgbClr val="FFFFFF"/>
                 </a:solidFill>
@@ -13054,17 +13121,7 @@
               <a:t>/</a:t>
             </a:r>
             <a:r>
-              <a:rPr sz="3200" b="0" spc="114" dirty="0">
-                <a:solidFill>
-                  <a:srgbClr val="FFFFFF"/>
-                </a:solidFill>
-                <a:latin typeface="Arial"/>
-                <a:cs typeface="Arial"/>
-              </a:rPr>
-              <a:t> </a:t>
-            </a:r>
-            <a:r>
-              <a:rPr sz="3200" b="0" spc="-20" dirty="0">
+              <a:rPr sz="3200" b="0" spc="-20" dirty="0" smtClean="0">
                 <a:solidFill>
                   <a:srgbClr val="90DFFC"/>
                 </a:solidFill>
@@ -13073,7 +13130,7 @@
               </a:rPr>
               <a:t>contents</a:t>
             </a:r>
-            <a:endParaRPr sz="3200">
+            <a:endParaRPr sz="3200" dirty="0">
               <a:latin typeface="Times New Roman"/>
               <a:cs typeface="Times New Roman"/>
             </a:endParaRPr>
@@ -13172,6 +13229,13 @@
   <p:clrMapOvr>
     <a:masterClrMapping/>
   </p:clrMapOvr>
+  <p:timing>
+    <p:tnLst>
+      <p:par>
+        <p:cTn id="1" dur="indefinite" restart="never" nodeType="tmRoot"/>
+      </p:par>
+    </p:tnLst>
+  </p:timing>
 </p:sld>
 </file>
 
@@ -14491,6 +14555,13 @@
   <p:clrMapOvr>
     <a:masterClrMapping/>
   </p:clrMapOvr>
+  <p:timing>
+    <p:tnLst>
+      <p:par>
+        <p:cTn id="1" dur="indefinite" restart="never" nodeType="tmRoot"/>
+      </p:par>
+    </p:tnLst>
+  </p:timing>
 </p:sld>
 </file>
 
@@ -15045,6 +15116,13 @@
   <p:clrMapOvr>
     <a:masterClrMapping/>
   </p:clrMapOvr>
+  <p:timing>
+    <p:tnLst>
+      <p:par>
+        <p:cTn id="1" dur="indefinite" restart="never" nodeType="tmRoot"/>
+      </p:par>
+    </p:tnLst>
+  </p:timing>
 </p:sld>
 </file>
 
@@ -16230,6 +16308,13 @@
   <p:clrMapOvr>
     <a:masterClrMapping/>
   </p:clrMapOvr>
+  <p:timing>
+    <p:tnLst>
+      <p:par>
+        <p:cTn id="1" dur="indefinite" restart="never" nodeType="tmRoot"/>
+      </p:par>
+    </p:tnLst>
+  </p:timing>
 </p:sld>
 </file>
 
@@ -16842,6 +16927,13 @@
   <p:clrMapOvr>
     <a:masterClrMapping/>
   </p:clrMapOvr>
+  <p:timing>
+    <p:tnLst>
+      <p:par>
+        <p:cTn id="1" dur="indefinite" restart="never" nodeType="tmRoot"/>
+      </p:par>
+    </p:tnLst>
+  </p:timing>
 </p:sld>
 </file>
 
@@ -17908,6 +18000,13 @@
   <p:clrMapOvr>
     <a:masterClrMapping/>
   </p:clrMapOvr>
+  <p:timing>
+    <p:tnLst>
+      <p:par>
+        <p:cTn id="1" dur="indefinite" restart="never" nodeType="tmRoot"/>
+      </p:par>
+    </p:tnLst>
+  </p:timing>
 </p:sld>
 </file>
 
@@ -18581,6 +18680,13 @@
   <p:clrMapOvr>
     <a:masterClrMapping/>
   </p:clrMapOvr>
+  <p:timing>
+    <p:tnLst>
+      <p:par>
+        <p:cTn id="1" dur="indefinite" restart="never" nodeType="tmRoot"/>
+      </p:par>
+    </p:tnLst>
+  </p:timing>
 </p:sld>
 </file>
 
@@ -19258,6 +19364,13 @@
   <p:clrMapOvr>
     <a:masterClrMapping/>
   </p:clrMapOvr>
+  <p:timing>
+    <p:tnLst>
+      <p:par>
+        <p:cTn id="1" dur="indefinite" restart="never" nodeType="tmRoot"/>
+      </p:par>
+    </p:tnLst>
+  </p:timing>
 </p:sld>
 </file>
 
@@ -20373,6 +20486,13 @@
   <p:clrMapOvr>
     <a:masterClrMapping/>
   </p:clrMapOvr>
+  <p:timing>
+    <p:tnLst>
+      <p:par>
+        <p:cTn id="1" dur="indefinite" restart="never" nodeType="tmRoot"/>
+      </p:par>
+    </p:tnLst>
+  </p:timing>
 </p:sld>
 </file>
 
@@ -21338,6 +21458,13 @@
   <p:clrMapOvr>
     <a:masterClrMapping/>
   </p:clrMapOvr>
+  <p:timing>
+    <p:tnLst>
+      <p:par>
+        <p:cTn id="1" dur="indefinite" restart="never" nodeType="tmRoot"/>
+      </p:par>
+    </p:tnLst>
+  </p:timing>
 </p:sld>
 </file>
 
@@ -23053,6 +23180,13 @@
   <p:clrMapOvr>
     <a:masterClrMapping/>
   </p:clrMapOvr>
+  <p:timing>
+    <p:tnLst>
+      <p:par>
+        <p:cTn id="1" dur="indefinite" restart="never" nodeType="tmRoot"/>
+      </p:par>
+    </p:tnLst>
+  </p:timing>
 </p:sld>
 </file>
 
@@ -24365,6 +24499,13 @@
   <p:clrMapOvr>
     <a:masterClrMapping/>
   </p:clrMapOvr>
+  <p:timing>
+    <p:tnLst>
+      <p:par>
+        <p:cTn id="1" dur="indefinite" restart="never" nodeType="tmRoot"/>
+      </p:par>
+    </p:tnLst>
+  </p:timing>
 </p:sld>
 </file>
 
@@ -24398,7 +24539,7 @@
         <p:spPr>
           <a:xfrm>
             <a:off x="1464310" y="482600"/>
-            <a:ext cx="4907280" cy="696595"/>
+            <a:ext cx="6079490" cy="696595"/>
           </a:xfrm>
           <a:prstGeom prst="rect">
             <a:avLst/>
@@ -24453,7 +24594,7 @@
               </a:rPr>
               <a:t>增删改查</a:t>
             </a:r>
-            <a:endParaRPr sz="4400">
+            <a:endParaRPr sz="4400" dirty="0">
               <a:latin typeface="Noto Sans Mono CJK JP Regular"/>
               <a:cs typeface="Noto Sans Mono CJK JP Regular"/>
             </a:endParaRPr>
@@ -25224,6 +25365,13 @@
   <p:clrMapOvr>
     <a:masterClrMapping/>
   </p:clrMapOvr>
+  <p:timing>
+    <p:tnLst>
+      <p:par>
+        <p:cTn id="1" dur="indefinite" restart="never" nodeType="tmRoot"/>
+      </p:par>
+    </p:tnLst>
+  </p:timing>
 </p:sld>
 </file>
 
@@ -26109,6 +26257,13 @@
   <p:clrMapOvr>
     <a:masterClrMapping/>
   </p:clrMapOvr>
+  <p:timing>
+    <p:tnLst>
+      <p:par>
+        <p:cTn id="1" dur="indefinite" restart="never" nodeType="tmRoot"/>
+      </p:par>
+    </p:tnLst>
+  </p:timing>
 </p:sld>
 </file>
 
@@ -26697,6 +26852,13 @@
   <p:clrMapOvr>
     <a:masterClrMapping/>
   </p:clrMapOvr>
+  <p:timing>
+    <p:tnLst>
+      <p:par>
+        <p:cTn id="1" dur="indefinite" restart="never" nodeType="tmRoot"/>
+      </p:par>
+    </p:tnLst>
+  </p:timing>
 </p:sld>
 </file>
 
@@ -28036,6 +28198,13 @@
   <p:clrMapOvr>
     <a:masterClrMapping/>
   </p:clrMapOvr>
+  <p:timing>
+    <p:tnLst>
+      <p:par>
+        <p:cTn id="1" dur="indefinite" restart="never" nodeType="tmRoot"/>
+      </p:par>
+    </p:tnLst>
+  </p:timing>
 </p:sld>
 </file>
 
@@ -28600,6 +28769,13 @@
   <p:clrMapOvr>
     <a:masterClrMapping/>
   </p:clrMapOvr>
+  <p:timing>
+    <p:tnLst>
+      <p:par>
+        <p:cTn id="1" dur="indefinite" restart="never" nodeType="tmRoot"/>
+      </p:par>
+    </p:tnLst>
+  </p:timing>
 </p:sld>
 </file>
 
@@ -29683,6 +29859,13 @@
   <p:clrMapOvr>
     <a:masterClrMapping/>
   </p:clrMapOvr>
+  <p:timing>
+    <p:tnLst>
+      <p:par>
+        <p:cTn id="1" dur="indefinite" restart="never" nodeType="tmRoot"/>
+      </p:par>
+    </p:tnLst>
+  </p:timing>
 </p:sld>
 </file>
 
@@ -29801,6 +29984,10 @@
           </p:nvPr>
         </p:nvSpPr>
         <p:spPr>
+          <a:xfrm>
+            <a:off x="640181" y="198246"/>
+            <a:ext cx="6947814" cy="936154"/>
+          </a:xfrm>
           <a:prstGeom prst="rect">
             <a:avLst/>
           </a:prstGeom>
@@ -30038,6 +30225,13 @@
   <p:clrMapOvr>
     <a:masterClrMapping/>
   </p:clrMapOvr>
+  <p:timing>
+    <p:tnLst>
+      <p:par>
+        <p:cTn id="1" dur="indefinite" restart="never" nodeType="tmRoot"/>
+      </p:par>
+    </p:tnLst>
+  </p:timing>
 </p:sld>
 </file>
 
@@ -30183,7 +30377,7 @@
         <p:spPr>
           <a:xfrm>
             <a:off x="868781" y="198246"/>
-            <a:ext cx="3843654" cy="939800"/>
+            <a:ext cx="4629810" cy="939800"/>
           </a:xfrm>
           <a:prstGeom prst="rect">
             <a:avLst/>
@@ -30253,7 +30447,7 @@
               </a:rPr>
               <a:t>地图</a:t>
             </a:r>
-            <a:endParaRPr sz="6000">
+            <a:endParaRPr sz="6000" dirty="0">
               <a:latin typeface="Noto Sans CJK JP Regular"/>
               <a:cs typeface="Noto Sans CJK JP Regular"/>
             </a:endParaRPr>
@@ -30459,6 +30653,13 @@
   <p:clrMapOvr>
     <a:masterClrMapping/>
   </p:clrMapOvr>
+  <p:timing>
+    <p:tnLst>
+      <p:par>
+        <p:cTn id="1" dur="indefinite" restart="never" nodeType="tmRoot"/>
+      </p:par>
+    </p:tnLst>
+  </p:timing>
 </p:sld>
 </file>
 
@@ -30579,7 +30780,7 @@
         <p:spPr>
           <a:xfrm>
             <a:off x="869086" y="198246"/>
-            <a:ext cx="5367655" cy="939800"/>
+            <a:ext cx="6293714" cy="939800"/>
           </a:xfrm>
           <a:prstGeom prst="rect">
             <a:avLst/>
@@ -30634,7 +30835,7 @@
               </a:rPr>
               <a:t>交错地图</a:t>
             </a:r>
-            <a:endParaRPr sz="6000">
+            <a:endParaRPr sz="6000" dirty="0">
               <a:latin typeface="Noto Sans CJK JP Regular"/>
               <a:cs typeface="Noto Sans CJK JP Regular"/>
             </a:endParaRPr>
@@ -30675,6 +30876,13 @@
   <p:clrMapOvr>
     <a:masterClrMapping/>
   </p:clrMapOvr>
+  <p:timing>
+    <p:tnLst>
+      <p:par>
+        <p:cTn id="1" dur="indefinite" restart="never" nodeType="tmRoot"/>
+      </p:par>
+    </p:tnLst>
+  </p:timing>
 </p:sld>
 </file>
 
@@ -30863,6 +31071,13 @@
   <p:clrMapOvr>
     <a:masterClrMapping/>
   </p:clrMapOvr>
+  <p:timing>
+    <p:tnLst>
+      <p:par>
+        <p:cTn id="1" dur="indefinite" restart="never" nodeType="tmRoot"/>
+      </p:par>
+    </p:tnLst>
+  </p:timing>
 </p:sld>
 </file>
 
@@ -31554,7 +31769,7 @@
           <p:cNvPr id="9" name="文本框 8">
             <a:extLst>
               <a:ext uri="{FF2B5EF4-FFF2-40B4-BE49-F238E27FC236}">
-                <a16:creationId xmlns:a16="http://schemas.microsoft.com/office/drawing/2014/main" id="{1CFFB2CC-FF61-49E1-8586-5273ED7AE7A1}"/>
+                <a16:creationId xmlns:a16="http://schemas.microsoft.com/office/drawing/2014/main" xmlns="" id="{1CFFB2CC-FF61-49E1-8586-5273ED7AE7A1}"/>
               </a:ext>
             </a:extLst>
           </p:cNvPr>
@@ -31598,7 +31813,7 @@
           <p:cNvPr id="10" name="文本框 9">
             <a:extLst>
               <a:ext uri="{FF2B5EF4-FFF2-40B4-BE49-F238E27FC236}">
-                <a16:creationId xmlns:a16="http://schemas.microsoft.com/office/drawing/2014/main" id="{591717FF-FC05-4747-93D6-C148B9E09DBA}"/>
+                <a16:creationId xmlns:a16="http://schemas.microsoft.com/office/drawing/2014/main" xmlns="" id="{591717FF-FC05-4747-93D6-C148B9E09DBA}"/>
               </a:ext>
             </a:extLst>
           </p:cNvPr>
@@ -31642,7 +31857,7 @@
           <p:cNvPr id="11" name="文本框 10">
             <a:extLst>
               <a:ext uri="{FF2B5EF4-FFF2-40B4-BE49-F238E27FC236}">
-                <a16:creationId xmlns:a16="http://schemas.microsoft.com/office/drawing/2014/main" id="{EDE0690E-F9B4-48FF-876E-BE025D3CC723}"/>
+                <a16:creationId xmlns:a16="http://schemas.microsoft.com/office/drawing/2014/main" xmlns="" id="{EDE0690E-F9B4-48FF-876E-BE025D3CC723}"/>
               </a:ext>
             </a:extLst>
           </p:cNvPr>
@@ -31686,6 +31901,13 @@
   <p:clrMapOvr>
     <a:masterClrMapping/>
   </p:clrMapOvr>
+  <p:timing>
+    <p:tnLst>
+      <p:par>
+        <p:cTn id="1" dur="indefinite" restart="never" nodeType="tmRoot"/>
+      </p:par>
+    </p:tnLst>
+  </p:timing>
 </p:sld>
 </file>
 
@@ -32561,6 +32783,13 @@
   <p:clrMapOvr>
     <a:masterClrMapping/>
   </p:clrMapOvr>
+  <p:timing>
+    <p:tnLst>
+      <p:par>
+        <p:cTn id="1" dur="indefinite" restart="never" nodeType="tmRoot"/>
+      </p:par>
+    </p:tnLst>
+  </p:timing>
 </p:sld>
 </file>
 
@@ -33854,6 +34083,13 @@
   <p:clrMapOvr>
     <a:masterClrMapping/>
   </p:clrMapOvr>
+  <p:timing>
+    <p:tnLst>
+      <p:par>
+        <p:cTn id="1" dur="indefinite" restart="never" nodeType="tmRoot"/>
+      </p:par>
+    </p:tnLst>
+  </p:timing>
 </p:sld>
 </file>
 
@@ -34827,6 +35063,13 @@
   <p:clrMapOvr>
     <a:masterClrMapping/>
   </p:clrMapOvr>
+  <p:timing>
+    <p:tnLst>
+      <p:par>
+        <p:cTn id="1" dur="indefinite" restart="never" nodeType="tmRoot"/>
+      </p:par>
+    </p:tnLst>
+  </p:timing>
 </p:sld>
 </file>
 
@@ -35883,6 +36126,13 @@
   <p:clrMapOvr>
     <a:masterClrMapping/>
   </p:clrMapOvr>
+  <p:timing>
+    <p:tnLst>
+      <p:par>
+        <p:cTn id="1" dur="indefinite" restart="never" nodeType="tmRoot"/>
+      </p:par>
+    </p:tnLst>
+  </p:timing>
 </p:sld>
 </file>
 
@@ -36701,6 +36951,13 @@
   <p:clrMapOvr>
     <a:masterClrMapping/>
   </p:clrMapOvr>
+  <p:timing>
+    <p:tnLst>
+      <p:par>
+        <p:cTn id="1" dur="indefinite" restart="never" nodeType="tmRoot"/>
+      </p:par>
+    </p:tnLst>
+  </p:timing>
 </p:sld>
 </file>
 
@@ -36896,6 +37153,13 @@
   <p:clrMapOvr>
     <a:masterClrMapping/>
   </p:clrMapOvr>
+  <p:timing>
+    <p:tnLst>
+      <p:par>
+        <p:cTn id="1" dur="indefinite" restart="never" nodeType="tmRoot"/>
+      </p:par>
+    </p:tnLst>
+  </p:timing>
 </p:sld>
 </file>
 
@@ -37098,6 +37362,13 @@
   <p:clrMapOvr>
     <a:masterClrMapping/>
   </p:clrMapOvr>
+  <p:timing>
+    <p:tnLst>
+      <p:par>
+        <p:cTn id="1" dur="indefinite" restart="never" nodeType="tmRoot"/>
+      </p:par>
+    </p:tnLst>
+  </p:timing>
 </p:sld>
 </file>
 
@@ -37217,8 +37488,8 @@
         </p:nvSpPr>
         <p:spPr>
           <a:xfrm>
-            <a:off x="370128" y="250647"/>
-            <a:ext cx="7919084" cy="788670"/>
+            <a:off x="370127" y="250647"/>
+            <a:ext cx="8891219" cy="788670"/>
           </a:xfrm>
           <a:prstGeom prst="rect">
             <a:avLst/>
@@ -37260,20 +37531,20 @@
               <a:t>°</a:t>
             </a:r>
             <a:r>
-              <a:rPr sz="5000" b="0" dirty="0">
+              <a:rPr sz="5000" b="0" dirty="0" smtClean="0">
                 <a:latin typeface="Noto Sans CJK JP Regular"/>
                 <a:cs typeface="Noto Sans CJK JP Regular"/>
               </a:rPr>
               <a:t>交错瓦片地图的锚</a:t>
             </a:r>
             <a:r>
-              <a:rPr sz="5000" b="0" spc="5" dirty="0">
-                <a:latin typeface="Noto Sans CJK JP Regular"/>
-                <a:cs typeface="Noto Sans CJK JP Regular"/>
-              </a:rPr>
-              <a:t>点：</a:t>
-            </a:r>
-            <a:endParaRPr sz="5000">
+              <a:rPr sz="5000" b="0" spc="5" dirty="0" smtClean="0">
+                <a:latin typeface="Noto Sans CJK JP Regular"/>
+                <a:cs typeface="Noto Sans CJK JP Regular"/>
+              </a:rPr>
+              <a:t>点</a:t>
+            </a:r>
+            <a:endParaRPr sz="5000" dirty="0">
               <a:latin typeface="Noto Sans CJK JP Regular"/>
               <a:cs typeface="Noto Sans CJK JP Regular"/>
             </a:endParaRPr>
@@ -37314,6 +37585,13 @@
   <p:clrMapOvr>
     <a:masterClrMapping/>
   </p:clrMapOvr>
+  <p:timing>
+    <p:tnLst>
+      <p:par>
+        <p:cTn id="1" dur="indefinite" restart="never" nodeType="tmRoot"/>
+      </p:par>
+    </p:tnLst>
+  </p:timing>
 </p:sld>
 </file>
 
@@ -37789,6 +38067,13 @@
   <p:clrMapOvr>
     <a:masterClrMapping/>
   </p:clrMapOvr>
+  <p:timing>
+    <p:tnLst>
+      <p:par>
+        <p:cTn id="1" dur="indefinite" restart="never" nodeType="tmRoot"/>
+      </p:par>
+    </p:tnLst>
+  </p:timing>
 </p:sld>
 </file>
 
@@ -38197,6 +38482,13 @@
   <p:clrMapOvr>
     <a:masterClrMapping/>
   </p:clrMapOvr>
+  <p:timing>
+    <p:tnLst>
+      <p:par>
+        <p:cTn id="1" dur="indefinite" restart="never" nodeType="tmRoot"/>
+      </p:par>
+    </p:tnLst>
+  </p:timing>
 </p:sld>
 </file>
 
@@ -39117,6 +39409,13 @@
   <p:clrMapOvr>
     <a:masterClrMapping/>
   </p:clrMapOvr>
+  <p:timing>
+    <p:tnLst>
+      <p:par>
+        <p:cTn id="1" dur="indefinite" restart="never" nodeType="tmRoot"/>
+      </p:par>
+    </p:tnLst>
+  </p:timing>
 </p:sld>
 </file>
 
@@ -39840,6 +40139,13 @@
   <p:clrMapOvr>
     <a:masterClrMapping/>
   </p:clrMapOvr>
+  <p:timing>
+    <p:tnLst>
+      <p:par>
+        <p:cTn id="1" dur="indefinite" restart="never" nodeType="tmRoot"/>
+      </p:par>
+    </p:tnLst>
+  </p:timing>
 </p:sld>
 </file>
 
@@ -40483,6 +40789,13 @@
   <p:clrMapOvr>
     <a:masterClrMapping/>
   </p:clrMapOvr>
+  <p:timing>
+    <p:tnLst>
+      <p:par>
+        <p:cTn id="1" dur="indefinite" restart="never" nodeType="tmRoot"/>
+      </p:par>
+    </p:tnLst>
+  </p:timing>
 </p:sld>
 </file>
 
@@ -40933,6 +41246,13 @@
   <p:clrMapOvr>
     <a:masterClrMapping/>
   </p:clrMapOvr>
+  <p:timing>
+    <p:tnLst>
+      <p:par>
+        <p:cTn id="1" dur="indefinite" restart="never" nodeType="tmRoot"/>
+      </p:par>
+    </p:tnLst>
+  </p:timing>
 </p:sld>
 </file>
 
@@ -41648,6 +41968,13 @@
   <p:clrMapOvr>
     <a:masterClrMapping/>
   </p:clrMapOvr>
+  <p:timing>
+    <p:tnLst>
+      <p:par>
+        <p:cTn id="1" dur="indefinite" restart="never" nodeType="tmRoot"/>
+      </p:par>
+    </p:tnLst>
+  </p:timing>
 </p:sld>
 </file>
 
@@ -42361,6 +42688,13 @@
   <p:clrMapOvr>
     <a:masterClrMapping/>
   </p:clrMapOvr>
+  <p:timing>
+    <p:tnLst>
+      <p:par>
+        <p:cTn id="1" dur="indefinite" restart="never" nodeType="tmRoot"/>
+      </p:par>
+    </p:tnLst>
+  </p:timing>
 </p:sld>
 </file>
 
@@ -43205,6 +43539,13 @@
   <p:clrMapOvr>
     <a:masterClrMapping/>
   </p:clrMapOvr>
+  <p:timing>
+    <p:tnLst>
+      <p:par>
+        <p:cTn id="1" dur="indefinite" restart="never" nodeType="tmRoot"/>
+      </p:par>
+    </p:tnLst>
+  </p:timing>
 </p:sld>
 </file>
 
@@ -43561,6 +43902,13 @@
   <p:clrMapOvr>
     <a:masterClrMapping/>
   </p:clrMapOvr>
+  <p:timing>
+    <p:tnLst>
+      <p:par>
+        <p:cTn id="1" dur="indefinite" restart="never" nodeType="tmRoot"/>
+      </p:par>
+    </p:tnLst>
+  </p:timing>
 </p:sld>
 </file>
 
@@ -43714,6 +44062,13 @@
   <p:clrMapOvr>
     <a:masterClrMapping/>
   </p:clrMapOvr>
+  <p:timing>
+    <p:tnLst>
+      <p:par>
+        <p:cTn id="1" dur="indefinite" restart="never" nodeType="tmRoot"/>
+      </p:par>
+    </p:tnLst>
+  </p:timing>
 </p:sld>
 </file>
 
@@ -45380,6 +45735,13 @@
   <p:clrMapOvr>
     <a:masterClrMapping/>
   </p:clrMapOvr>
+  <p:timing>
+    <p:tnLst>
+      <p:par>
+        <p:cTn id="1" dur="indefinite" restart="never" nodeType="tmRoot"/>
+      </p:par>
+    </p:tnLst>
+  </p:timing>
 </p:sld>
 </file>
 
@@ -46547,6 +46909,13 @@
   <p:clrMapOvr>
     <a:masterClrMapping/>
   </p:clrMapOvr>
+  <p:timing>
+    <p:tnLst>
+      <p:par>
+        <p:cTn id="1" dur="indefinite" restart="never" nodeType="tmRoot"/>
+      </p:par>
+    </p:tnLst>
+  </p:timing>
 </p:sld>
 </file>
 
@@ -47573,6 +47942,13 @@
   <p:clrMapOvr>
     <a:masterClrMapping/>
   </p:clrMapOvr>
+  <p:timing>
+    <p:tnLst>
+      <p:par>
+        <p:cTn id="1" dur="indefinite" restart="never" nodeType="tmRoot"/>
+      </p:par>
+    </p:tnLst>
+  </p:timing>
 </p:sld>
 </file>
 
@@ -48633,6 +49009,13 @@
   <p:clrMapOvr>
     <a:masterClrMapping/>
   </p:clrMapOvr>
+  <p:timing>
+    <p:tnLst>
+      <p:par>
+        <p:cTn id="1" dur="indefinite" restart="never" nodeType="tmRoot"/>
+      </p:par>
+    </p:tnLst>
+  </p:timing>
 </p:sld>
 </file>
 
@@ -49030,7 +49413,7 @@
         <p:spPr>
           <a:xfrm>
             <a:off x="1107135" y="2458973"/>
-            <a:ext cx="10215880" cy="3790950"/>
+            <a:ext cx="10215880" cy="3355790"/>
           </a:xfrm>
           <a:prstGeom prst="rect">
             <a:avLst/>
@@ -49237,7 +49620,7 @@
               <a:t>cocos2d::Vector&lt;T&gt;</a:t>
             </a:r>
             <a:r>
-              <a:rPr sz="2400" spc="-15" dirty="0">
+              <a:rPr sz="2400" spc="-15" dirty="0" err="1">
                 <a:solidFill>
                   <a:srgbClr val="33B5EF"/>
                 </a:solidFill>
@@ -49247,7 +49630,7 @@
               <a:t>提</a:t>
             </a:r>
             <a:r>
-              <a:rPr sz="2400" dirty="0">
+              <a:rPr sz="2400" dirty="0" err="1">
                 <a:solidFill>
                   <a:srgbClr val="33B5EF"/>
                 </a:solidFill>
@@ -49257,7 +49640,7 @@
               <a:t>供</a:t>
             </a:r>
             <a:r>
-              <a:rPr sz="2400" spc="-15" dirty="0">
+              <a:rPr sz="2400" spc="-15" dirty="0" err="1">
                 <a:solidFill>
                   <a:srgbClr val="33B5EF"/>
                 </a:solidFill>
@@ -49267,7 +49650,7 @@
               <a:t>了不同类型</a:t>
             </a:r>
             <a:r>
-              <a:rPr sz="2400" dirty="0">
+              <a:rPr sz="2400" dirty="0" err="1">
                 <a:solidFill>
                   <a:srgbClr val="33B5EF"/>
                 </a:solidFill>
@@ -49277,7 +49660,7 @@
               <a:t>的</a:t>
             </a:r>
             <a:r>
-              <a:rPr sz="2400" spc="-15" dirty="0">
+              <a:rPr sz="2400" spc="-15" dirty="0" err="1">
                 <a:solidFill>
                   <a:srgbClr val="33B5EF"/>
                 </a:solidFill>
@@ -49287,7 +49670,7 @@
               <a:t>迭代</a:t>
             </a:r>
             <a:r>
-              <a:rPr sz="2400" spc="-10" dirty="0">
+              <a:rPr sz="2400" spc="-10" dirty="0" err="1">
                 <a:solidFill>
                   <a:srgbClr val="33B5EF"/>
                 </a:solidFill>
@@ -49297,7 +49680,7 @@
               <a:t>器</a:t>
             </a:r>
             <a:r>
-              <a:rPr sz="2400" spc="-15" dirty="0">
+              <a:rPr sz="2400" spc="-15" dirty="0" err="1">
                 <a:solidFill>
                   <a:srgbClr val="33B5EF"/>
                 </a:solidFill>
@@ -49307,38 +49690,24 @@
               <a:t>，</a:t>
             </a:r>
             <a:r>
-              <a:rPr sz="2400" dirty="0">
-                <a:solidFill>
-                  <a:srgbClr val="33B5EF"/>
-                </a:solidFill>
-                <a:latin typeface="Noto Sans CJK JP Regular"/>
-                <a:cs typeface="Noto Sans CJK JP Regular"/>
-              </a:rPr>
-              <a:t>所</a:t>
-            </a:r>
-            <a:endParaRPr sz="2400" dirty="0">
-              <a:latin typeface="Noto Sans CJK JP Regular"/>
-              <a:cs typeface="Noto Sans CJK JP Regular"/>
-            </a:endParaRPr>
-          </a:p>
-          <a:p>
-            <a:pPr marL="469900">
-              <a:lnSpc>
-                <a:spcPct val="100000"/>
-              </a:lnSpc>
-              <a:spcBef>
-                <a:spcPts val="2305"/>
-              </a:spcBef>
-            </a:pPr>
-            <a:r>
-              <a:rPr sz="2400" dirty="0">
-                <a:solidFill>
-                  <a:srgbClr val="33B5EF"/>
-                </a:solidFill>
-                <a:latin typeface="Noto Sans CJK JP Regular"/>
-                <a:cs typeface="Noto Sans CJK JP Regular"/>
-              </a:rPr>
-              <a:t>以我们可以受益于</a:t>
+              <a:rPr sz="2400" dirty="0" err="1" smtClean="0">
+                <a:solidFill>
+                  <a:srgbClr val="33B5EF"/>
+                </a:solidFill>
+                <a:latin typeface="Noto Sans CJK JP Regular"/>
+                <a:cs typeface="Noto Sans CJK JP Regular"/>
+              </a:rPr>
+              <a:t>所以我们可以受益于</a:t>
+            </a:r>
+            <a:r>
+              <a:rPr sz="2400" spc="275" dirty="0" err="1">
+                <a:solidFill>
+                  <a:srgbClr val="33B5EF"/>
+                </a:solidFill>
+                <a:latin typeface="Noto Sans CJK JP Regular"/>
+                <a:cs typeface="Noto Sans CJK JP Regular"/>
+              </a:rPr>
+              <a:t>c</a:t>
             </a:r>
             <a:r>
               <a:rPr sz="2400" spc="275" dirty="0">
@@ -49348,10 +49717,10 @@
                 <a:latin typeface="Noto Sans CJK JP Regular"/>
                 <a:cs typeface="Noto Sans CJK JP Regular"/>
               </a:rPr>
-              <a:t>c++</a:t>
-            </a:r>
-            <a:r>
-              <a:rPr sz="2400" dirty="0">
+              <a:t>++</a:t>
+            </a:r>
+            <a:r>
+              <a:rPr sz="2400" dirty="0" err="1">
                 <a:solidFill>
                   <a:srgbClr val="33B5EF"/>
                 </a:solidFill>
@@ -49361,7 +49730,7 @@
               <a:t>的</a:t>
             </a:r>
             <a:r>
-              <a:rPr sz="2400" spc="-15" dirty="0">
+              <a:rPr sz="2400" spc="-15" dirty="0" err="1">
                 <a:solidFill>
                   <a:srgbClr val="33B5EF"/>
                 </a:solidFill>
@@ -49371,7 +49740,7 @@
               <a:t>标</a:t>
             </a:r>
             <a:r>
-              <a:rPr sz="2400" dirty="0">
+              <a:rPr sz="2400" dirty="0" err="1">
                 <a:solidFill>
                   <a:srgbClr val="33B5EF"/>
                 </a:solidFill>
@@ -49381,7 +49750,7 @@
               <a:t>准函</a:t>
             </a:r>
             <a:r>
-              <a:rPr sz="2400" spc="-15" dirty="0">
+              <a:rPr sz="2400" spc="-15" dirty="0" err="1">
                 <a:solidFill>
                   <a:srgbClr val="33B5EF"/>
                 </a:solidFill>
@@ -49391,7 +49760,7 @@
               <a:t>数</a:t>
             </a:r>
             <a:r>
-              <a:rPr sz="2400" dirty="0">
+              <a:rPr sz="2400" dirty="0" err="1">
                 <a:solidFill>
                   <a:srgbClr val="33B5EF"/>
                 </a:solidFill>
@@ -49401,7 +49770,7 @@
               <a:t>库</a:t>
             </a:r>
             <a:r>
-              <a:rPr sz="2400" spc="-15" dirty="0">
+              <a:rPr sz="2400" spc="-15" dirty="0" err="1">
                 <a:solidFill>
                   <a:srgbClr val="33B5EF"/>
                 </a:solidFill>
@@ -49411,7 +49780,7 @@
               <a:t>，</a:t>
             </a:r>
             <a:r>
-              <a:rPr sz="2400" dirty="0">
+              <a:rPr sz="2400" dirty="0" err="1" smtClean="0">
                 <a:solidFill>
                   <a:srgbClr val="33B5EF"/>
                 </a:solidFill>
@@ -49421,7 +49790,7 @@
               <a:t>我们</a:t>
             </a:r>
             <a:r>
-              <a:rPr sz="2400" spc="-15" dirty="0">
+              <a:rPr sz="2400" spc="-15" dirty="0" err="1" smtClean="0">
                 <a:solidFill>
                   <a:srgbClr val="33B5EF"/>
                 </a:solidFill>
@@ -49431,7 +49800,7 @@
               <a:t>可</a:t>
             </a:r>
             <a:r>
-              <a:rPr sz="2400" dirty="0">
+              <a:rPr sz="2400" dirty="0" err="1" smtClean="0">
                 <a:solidFill>
                   <a:srgbClr val="33B5EF"/>
                 </a:solidFill>
@@ -49441,7 +49810,7 @@
               <a:t>以</a:t>
             </a:r>
             <a:r>
-              <a:rPr sz="2400" spc="-15" dirty="0">
+              <a:rPr sz="2400" spc="-15" dirty="0" err="1" smtClean="0">
                 <a:solidFill>
                   <a:srgbClr val="33B5EF"/>
                 </a:solidFill>
@@ -49451,7 +49820,7 @@
               <a:t>使</a:t>
             </a:r>
             <a:r>
-              <a:rPr sz="2400" dirty="0">
+              <a:rPr sz="2400" dirty="0" err="1" smtClean="0">
                 <a:solidFill>
                   <a:srgbClr val="33B5EF"/>
                 </a:solidFill>
@@ -49461,7 +49830,7 @@
               <a:t>用</a:t>
             </a:r>
             <a:r>
-              <a:rPr sz="2400" spc="-15" dirty="0">
+              <a:rPr sz="2400" spc="-15" dirty="0" err="1" smtClean="0">
                 <a:solidFill>
                   <a:srgbClr val="33B5EF"/>
                 </a:solidFill>
@@ -49471,7 +49840,7 @@
               <a:t>大</a:t>
             </a:r>
             <a:r>
-              <a:rPr sz="2400" dirty="0">
+              <a:rPr sz="2400" dirty="0" err="1" smtClean="0">
                 <a:solidFill>
                   <a:srgbClr val="33B5EF"/>
                 </a:solidFill>
@@ -49481,7 +49850,7 @@
               <a:t>量标</a:t>
             </a:r>
             <a:r>
-              <a:rPr sz="2400" spc="-15" dirty="0">
+              <a:rPr sz="2400" spc="-15" dirty="0" err="1" smtClean="0">
                 <a:solidFill>
                   <a:srgbClr val="33B5EF"/>
                 </a:solidFill>
@@ -49491,7 +49860,7 @@
               <a:t>准</a:t>
             </a:r>
             <a:r>
-              <a:rPr sz="2400" dirty="0">
+              <a:rPr sz="2400" dirty="0" err="1" smtClean="0">
                 <a:solidFill>
                   <a:srgbClr val="33B5EF"/>
                 </a:solidFill>
@@ -49501,7 +49870,7 @@
               <a:t>泛</a:t>
             </a:r>
             <a:r>
-              <a:rPr sz="2400" spc="-15" dirty="0">
+              <a:rPr sz="2400" spc="-15" dirty="0" err="1" smtClean="0">
                 <a:solidFill>
                   <a:srgbClr val="33B5EF"/>
                 </a:solidFill>
@@ -49511,7 +49880,7 @@
               <a:t>型</a:t>
             </a:r>
             <a:r>
-              <a:rPr sz="2400" dirty="0">
+              <a:rPr sz="2400" dirty="0" err="1" smtClean="0">
                 <a:solidFill>
                   <a:srgbClr val="33B5EF"/>
                 </a:solidFill>
@@ -49520,22 +49889,8 @@
               </a:rPr>
               <a:t>算法和</a:t>
             </a:r>
-            <a:endParaRPr sz="2400" dirty="0">
-              <a:latin typeface="Noto Sans CJK JP Regular"/>
-              <a:cs typeface="Noto Sans CJK JP Regular"/>
-            </a:endParaRPr>
-          </a:p>
-          <a:p>
-            <a:pPr marL="469900" marR="231775" algn="just">
-              <a:lnSpc>
-                <a:spcPct val="180000"/>
-              </a:lnSpc>
-              <a:spcBef>
-                <a:spcPts val="5"/>
-              </a:spcBef>
-            </a:pPr>
-            <a:r>
-              <a:rPr sz="2400" spc="-25" dirty="0">
+            <a:r>
+              <a:rPr sz="2400" spc="-25" dirty="0" err="1" smtClean="0">
                 <a:solidFill>
                   <a:srgbClr val="33B5EF"/>
                 </a:solidFill>
@@ -49545,7 +49900,7 @@
               <a:t>for_each</a:t>
             </a:r>
             <a:r>
-              <a:rPr sz="2400" dirty="0">
+              <a:rPr sz="2400" dirty="0" err="1">
                 <a:solidFill>
                   <a:srgbClr val="33B5EF"/>
                 </a:solidFill>
@@ -49555,7 +49910,7 @@
               <a:t>循</a:t>
             </a:r>
             <a:r>
-              <a:rPr sz="2400" spc="-15" dirty="0">
+              <a:rPr sz="2400" spc="-15" dirty="0" err="1">
                 <a:solidFill>
                   <a:srgbClr val="33B5EF"/>
                 </a:solidFill>
@@ -50217,7 +50572,7 @@
               </a:rPr>
               <a:t>for_each</a:t>
             </a:r>
-            <a:endParaRPr sz="1000">
+            <a:endParaRPr sz="1000" dirty="0">
               <a:latin typeface="Arial"/>
               <a:cs typeface="Arial"/>
             </a:endParaRPr>
@@ -50229,6 +50584,13 @@
   <p:clrMapOvr>
     <a:masterClrMapping/>
   </p:clrMapOvr>
+  <p:timing>
+    <p:tnLst>
+      <p:par>
+        <p:cTn id="1" dur="indefinite" restart="never" nodeType="tmRoot"/>
+      </p:par>
+    </p:tnLst>
+  </p:timing>
 </p:sld>
 </file>
 
